--- a/week-8/buechle_8.2.pptx
+++ b/week-8/buechle_8.2.pptx
@@ -244,7 +244,7 @@
           <a:p>
             <a:fld id="{AF869721-F543-4A6C-BF9D-65D7CC540427}" type="datetimeFigureOut">
               <a:rPr lang="en-US" smtClean="0"/>
-              <a:t>10/31/2020</a:t>
+              <a:t>11/1/2020</a:t>
             </a:fld>
             <a:endParaRPr lang="en-US" dirty="0"/>
           </a:p>
@@ -421,7 +421,7 @@
           <a:p>
             <a:fld id="{C732326A-4C88-4AFB-AA5B-5919D81DFF5B}" type="datetimeFigureOut">
               <a:rPr lang="en-US" smtClean="0"/>
-              <a:t>10/31/2020</a:t>
+              <a:t>11/1/2020</a:t>
             </a:fld>
             <a:endParaRPr lang="en-US" dirty="0"/>
           </a:p>
@@ -1018,7 +1018,7 @@
             <a:fld id="{B61BEF0D-F0BB-DE4B-95CE-6DB70DBA9567}" type="datetimeFigureOut">
               <a:rPr lang="en-US" smtClean="0"/>
               <a:pPr/>
-              <a:t>10/31/2020</a:t>
+              <a:t>11/1/2020</a:t>
             </a:fld>
             <a:endParaRPr lang="en-US" dirty="0"/>
           </a:p>
@@ -1282,7 +1282,7 @@
             <a:fld id="{B61BEF0D-F0BB-DE4B-95CE-6DB70DBA9567}" type="datetimeFigureOut">
               <a:rPr lang="en-US" smtClean="0"/>
               <a:pPr/>
-              <a:t>10/31/2020</a:t>
+              <a:t>11/1/2020</a:t>
             </a:fld>
             <a:endParaRPr lang="en-US" dirty="0"/>
           </a:p>
@@ -1519,7 +1519,7 @@
             <a:fld id="{B61BEF0D-F0BB-DE4B-95CE-6DB70DBA9567}" type="datetimeFigureOut">
               <a:rPr lang="en-US" smtClean="0"/>
               <a:pPr/>
-              <a:t>10/31/2020</a:t>
+              <a:t>11/1/2020</a:t>
             </a:fld>
             <a:endParaRPr lang="en-US" dirty="0"/>
           </a:p>
@@ -1761,7 +1761,7 @@
             <a:fld id="{B61BEF0D-F0BB-DE4B-95CE-6DB70DBA9567}" type="datetimeFigureOut">
               <a:rPr lang="en-US" smtClean="0"/>
               <a:pPr/>
-              <a:t>10/31/2020</a:t>
+              <a:t>11/1/2020</a:t>
             </a:fld>
             <a:endParaRPr lang="en-US" dirty="0"/>
           </a:p>
@@ -2070,7 +2070,7 @@
             <a:fld id="{B61BEF0D-F0BB-DE4B-95CE-6DB70DBA9567}" type="datetimeFigureOut">
               <a:rPr lang="en-US" smtClean="0"/>
               <a:pPr/>
-              <a:t>10/31/2020</a:t>
+              <a:t>11/1/2020</a:t>
             </a:fld>
             <a:endParaRPr lang="en-US" dirty="0"/>
           </a:p>
@@ -2374,7 +2374,7 @@
             <a:fld id="{B61BEF0D-F0BB-DE4B-95CE-6DB70DBA9567}" type="datetimeFigureOut">
               <a:rPr lang="en-US" smtClean="0"/>
               <a:pPr/>
-              <a:t>10/31/2020</a:t>
+              <a:t>11/1/2020</a:t>
             </a:fld>
             <a:endParaRPr lang="en-US" dirty="0"/>
           </a:p>
@@ -2798,7 +2798,7 @@
             <a:fld id="{B61BEF0D-F0BB-DE4B-95CE-6DB70DBA9567}" type="datetimeFigureOut">
               <a:rPr lang="en-US" smtClean="0"/>
               <a:pPr/>
-              <a:t>10/31/2020</a:t>
+              <a:t>11/1/2020</a:t>
             </a:fld>
             <a:endParaRPr lang="en-US" dirty="0"/>
           </a:p>
@@ -2895,7 +2895,7 @@
             <a:fld id="{B61BEF0D-F0BB-DE4B-95CE-6DB70DBA9567}" type="datetimeFigureOut">
               <a:rPr lang="en-US" smtClean="0"/>
               <a:pPr/>
-              <a:t>10/31/2020</a:t>
+              <a:t>11/1/2020</a:t>
             </a:fld>
             <a:endParaRPr lang="en-US" dirty="0"/>
           </a:p>
@@ -3059,7 +3059,7 @@
             <a:fld id="{B61BEF0D-F0BB-DE4B-95CE-6DB70DBA9567}" type="datetimeFigureOut">
               <a:rPr lang="en-US" smtClean="0"/>
               <a:pPr/>
-              <a:t>10/31/2020</a:t>
+              <a:t>11/1/2020</a:t>
             </a:fld>
             <a:endParaRPr lang="en-US" dirty="0"/>
           </a:p>
@@ -3439,7 +3439,7 @@
             <a:fld id="{B61BEF0D-F0BB-DE4B-95CE-6DB70DBA9567}" type="datetimeFigureOut">
               <a:rPr lang="en-US" smtClean="0"/>
               <a:pPr/>
-              <a:t>10/31/2020</a:t>
+              <a:t>11/1/2020</a:t>
             </a:fld>
             <a:endParaRPr lang="en-US" dirty="0"/>
           </a:p>
@@ -3730,7 +3730,7 @@
             <a:fld id="{B61BEF0D-F0BB-DE4B-95CE-6DB70DBA9567}" type="datetimeFigureOut">
               <a:rPr lang="en-US" smtClean="0"/>
               <a:pPr/>
-              <a:t>10/31/2020</a:t>
+              <a:t>11/1/2020</a:t>
             </a:fld>
             <a:endParaRPr lang="en-US" dirty="0"/>
           </a:p>
@@ -3943,7 +3943,7 @@
             <a:fld id="{B61BEF0D-F0BB-DE4B-95CE-6DB70DBA9567}" type="datetimeFigureOut">
               <a:rPr lang="en-US" smtClean="0"/>
               <a:pPr/>
-              <a:t>10/31/2020</a:t>
+              <a:t>11/1/2020</a:t>
             </a:fld>
             <a:endParaRPr lang="en-US" dirty="0"/>
           </a:p>
@@ -5704,6 +5704,50 @@
           </a:xfrm>
         </p:spPr>
       </p:pic>
+      <p:sp>
+        <p:nvSpPr>
+          <p:cNvPr id="3" name="TextBox 2">
+            <a:extLst>
+              <a:ext uri="{FF2B5EF4-FFF2-40B4-BE49-F238E27FC236}">
+                <a16:creationId xmlns:a16="http://schemas.microsoft.com/office/drawing/2014/main" id="{FB940406-ECAA-4B7C-9508-AE68A94F6DBB}"/>
+              </a:ext>
+            </a:extLst>
+          </p:cNvPr>
+          <p:cNvSpPr txBox="1"/>
+          <p:nvPr/>
+        </p:nvSpPr>
+        <p:spPr>
+          <a:xfrm>
+            <a:off x="4828673" y="5863390"/>
+            <a:ext cx="3537285" cy="646331"/>
+          </a:xfrm>
+          <a:prstGeom prst="rect">
+            <a:avLst/>
+          </a:prstGeom>
+          <a:noFill/>
+        </p:spPr>
+        <p:txBody>
+          <a:bodyPr wrap="square" rtlCol="0">
+            <a:spAutoFit/>
+          </a:bodyPr>
+          <a:lstStyle/>
+          <a:p>
+            <a:r>
+              <a:rPr lang="en-US" dirty="0">
+                <a:solidFill>
+                  <a:schemeClr val="accent1">
+                    <a:lumMod val="75000"/>
+                  </a:schemeClr>
+                </a:solidFill>
+              </a:rPr>
+              <a:t>Source: (Perlmutter, D.) </a:t>
+            </a:r>
+          </a:p>
+          <a:p>
+            <a:endParaRPr lang="en-US" dirty="0"/>
+          </a:p>
+        </p:txBody>
+      </p:sp>
     </p:spTree>
     <p:extLst>
       <p:ext uri="{BB962C8B-B14F-4D97-AF65-F5344CB8AC3E}">
@@ -9076,15 +9120,6 @@
 </file>
 
 <file path=customXml/item2.xml><?xml version="1.0" encoding="utf-8"?>
-<?mso-contentType ?>
-<FormTemplates xmlns="http://schemas.microsoft.com/sharepoint/v3/contenttype/forms">
-  <Display>DocumentLibraryForm</Display>
-  <Edit>DocumentLibraryForm</Edit>
-  <New>DocumentLibraryForm</New>
-</FormTemplates>
-</file>
-
-<file path=customXml/item3.xml><?xml version="1.0" encoding="utf-8"?>
 <ct:contentTypeSchema xmlns:ct="http://schemas.microsoft.com/office/2006/metadata/contentType" xmlns:ma="http://schemas.microsoft.com/office/2006/metadata/properties/metaAttributes" ct:_="" ma:_="" ma:contentTypeName="Document" ma:contentTypeID="0x010100F9B1F51DF799714AB9F02F1A2E2F1F12" ma:contentTypeVersion="9" ma:contentTypeDescription="Create a new document." ma:contentTypeScope="" ma:versionID="768283798ffc4541ecab4354b47e8895">
   <xsd:schema xmlns:xsd="http://www.w3.org/2001/XMLSchema" xmlns:xs="http://www.w3.org/2001/XMLSchema" xmlns:p="http://schemas.microsoft.com/office/2006/metadata/properties" xmlns:ns3="3bff64dc-41d3-43a2-998a-64caaa7f5004" targetNamespace="http://schemas.microsoft.com/office/2006/metadata/properties" ma:root="true" ma:fieldsID="8f1ee904ded3b00b0c5d5b33ce29f357" ns3:_="">
     <xsd:import namespace="3bff64dc-41d3-43a2-998a-64caaa7f5004"/>
@@ -9262,6 +9297,15 @@
 </ct:contentTypeSchema>
 </file>
 
+<file path=customXml/item3.xml><?xml version="1.0" encoding="utf-8"?>
+<?mso-contentType ?>
+<FormTemplates xmlns="http://schemas.microsoft.com/sharepoint/v3/contenttype/forms">
+  <Display>DocumentLibraryForm</Display>
+  <Edit>DocumentLibraryForm</Edit>
+  <New>DocumentLibraryForm</New>
+</FormTemplates>
+</file>
+
 <file path=customXml/itemProps1.xml><?xml version="1.0" encoding="utf-8"?>
 <ds:datastoreItem xmlns:ds="http://schemas.openxmlformats.org/officeDocument/2006/customXml" ds:itemID="{55B48092-4A2C-4E16-B971-9ACADFFF69E4}">
   <ds:schemaRefs>
@@ -9279,14 +9323,6 @@
 </file>
 
 <file path=customXml/itemProps2.xml><?xml version="1.0" encoding="utf-8"?>
-<ds:datastoreItem xmlns:ds="http://schemas.openxmlformats.org/officeDocument/2006/customXml" ds:itemID="{3E586370-B0FB-4108-8B4F-329716A22E3A}">
-  <ds:schemaRefs>
-    <ds:schemaRef ds:uri="http://schemas.microsoft.com/sharepoint/v3/contenttype/forms"/>
-  </ds:schemaRefs>
-</ds:datastoreItem>
-</file>
-
-<file path=customXml/itemProps3.xml><?xml version="1.0" encoding="utf-8"?>
 <ds:datastoreItem xmlns:ds="http://schemas.openxmlformats.org/officeDocument/2006/customXml" ds:itemID="{7F65FC67-FE7A-41A4-8F67-7A82BA3693A6}">
   <ds:schemaRefs>
     <ds:schemaRef ds:uri="http://schemas.microsoft.com/office/2006/metadata/contentType"/>
@@ -9302,4 +9338,12 @@
     <ds:schemaRef ds:uri="http://schemas.microsoft.com/internal/obd"/>
   </ds:schemaRefs>
 </ds:datastoreItem>
+</file>
+
+<file path=customXml/itemProps3.xml><?xml version="1.0" encoding="utf-8"?>
+<ds:datastoreItem xmlns:ds="http://schemas.openxmlformats.org/officeDocument/2006/customXml" ds:itemID="{3E586370-B0FB-4108-8B4F-329716A22E3A}">
+  <ds:schemaRefs>
+    <ds:schemaRef ds:uri="http://schemas.microsoft.com/sharepoint/v3/contenttype/forms"/>
+  </ds:schemaRefs>
+</ds:datastoreItem>
 </file>